--- a/Resources/Sending_Receiving_Payment_Diagram.pptx
+++ b/Resources/Sending_Receiving_Payment_Diagram.pptx
@@ -4556,7 +4556,7 @@
         </p:nvSpPr>
         <p:spPr>
           <a:xfrm>
-            <a:off x="4903880" y="1306454"/>
+            <a:off x="4903880" y="1278746"/>
             <a:ext cx="2113084" cy="687927"/>
           </a:xfrm>
           <a:prstGeom prst="roundRect">
@@ -4714,14 +4714,15 @@
         <p:nvCxnSpPr>
           <p:cNvPr id="39" name="Straight Arrow Connector 38"/>
           <p:cNvCxnSpPr>
-            <a:stCxn id="44" idx="3"/>
+            <a:stCxn id="12" idx="3"/>
+            <a:endCxn id="14" idx="1"/>
           </p:cNvCxnSpPr>
           <p:nvPr/>
         </p:nvCxnSpPr>
         <p:spPr>
           <a:xfrm flipV="1">
-            <a:off x="4306029" y="2008909"/>
-            <a:ext cx="596459" cy="1392161"/>
+            <a:off x="4313481" y="1622710"/>
+            <a:ext cx="590399" cy="2890"/>
           </a:xfrm>
           <a:prstGeom prst="straightConnector1">
             <a:avLst/>
@@ -5036,16 +5037,13 @@
       <p:cxnSp>
         <p:nvCxnSpPr>
           <p:cNvPr id="35" name="Straight Arrow Connector 34"/>
-          <p:cNvCxnSpPr>
-            <a:stCxn id="41" idx="3"/>
-            <a:endCxn id="44" idx="1"/>
-          </p:cNvCxnSpPr>
+          <p:cNvCxnSpPr/>
           <p:nvPr/>
         </p:nvCxnSpPr>
         <p:spPr>
           <a:xfrm flipV="1">
-            <a:off x="552794" y="3401070"/>
-            <a:ext cx="2131462" cy="11578"/>
+            <a:off x="3316928" y="1958111"/>
+            <a:ext cx="1586952" cy="1454056"/>
           </a:xfrm>
           <a:prstGeom prst="straightConnector1">
             <a:avLst/>
@@ -5100,69 +5098,13 @@
       </p:sp>
       <p:sp>
         <p:nvSpPr>
-          <p:cNvPr id="44" name="Rounded Rectangle 43"/>
-          <p:cNvSpPr/>
-          <p:nvPr/>
-        </p:nvSpPr>
-        <p:spPr>
-          <a:xfrm>
-            <a:off x="2684256" y="3158646"/>
-            <a:ext cx="1621773" cy="484848"/>
-          </a:xfrm>
-          <a:prstGeom prst="roundRect">
-            <a:avLst/>
-          </a:prstGeom>
-          <a:solidFill>
-            <a:srgbClr val="00B2AB">
-              <a:alpha val="74902"/>
-            </a:srgbClr>
-          </a:solidFill>
-          <a:ln>
-            <a:noFill/>
-          </a:ln>
-        </p:spPr>
-        <p:style>
-          <a:lnRef idx="2">
-            <a:schemeClr val="accent1">
-              <a:shade val="50000"/>
-            </a:schemeClr>
-          </a:lnRef>
-          <a:fillRef idx="1">
-            <a:schemeClr val="accent1"/>
-          </a:fillRef>
-          <a:effectRef idx="0">
-            <a:schemeClr val="accent1"/>
-          </a:effectRef>
-          <a:fontRef idx="minor">
-            <a:schemeClr val="lt1"/>
-          </a:fontRef>
-        </p:style>
-        <p:txBody>
-          <a:bodyPr rtlCol="0" anchor="ctr"/>
-          <a:lstStyle/>
-          <a:p>
-            <a:pPr algn="ctr"/>
-            <a:r>
-              <a:rPr lang="en-US" dirty="0" err="1" smtClean="0"/>
-              <a:t>Paypot</a:t>
-            </a:r>
-            <a:r>
-              <a:rPr lang="en-US" dirty="0" smtClean="0"/>
-              <a:t> GW</a:t>
-            </a:r>
-            <a:endParaRPr lang="en-US" dirty="0"/>
-          </a:p>
-        </p:txBody>
-      </p:sp>
-      <p:sp>
-        <p:nvSpPr>
           <p:cNvPr id="27" name="TextBox 26"/>
           <p:cNvSpPr txBox="1"/>
           <p:nvPr/>
         </p:nvSpPr>
         <p:spPr>
           <a:xfrm>
-            <a:off x="1542602" y="3099683"/>
+            <a:off x="2430465" y="3088052"/>
             <a:ext cx="968535" cy="369332"/>
           </a:xfrm>
           <a:prstGeom prst="rect">
@@ -5349,42 +5291,6 @@
           </a:p>
         </p:txBody>
       </p:sp>
-      <p:cxnSp>
-        <p:nvCxnSpPr>
-          <p:cNvPr id="69" name="Straight Arrow Connector 68"/>
-          <p:cNvCxnSpPr>
-            <a:stCxn id="12" idx="2"/>
-            <a:endCxn id="44" idx="0"/>
-          </p:cNvCxnSpPr>
-          <p:nvPr/>
-        </p:nvCxnSpPr>
-        <p:spPr>
-          <a:xfrm flipH="1">
-            <a:off x="3495143" y="1868024"/>
-            <a:ext cx="7452" cy="1290622"/>
-          </a:xfrm>
-          <a:prstGeom prst="straightConnector1">
-            <a:avLst/>
-          </a:prstGeom>
-          <a:ln w="19050">
-            <a:tailEnd type="triangle"/>
-          </a:ln>
-        </p:spPr>
-        <p:style>
-          <a:lnRef idx="1">
-            <a:schemeClr val="accent1"/>
-          </a:lnRef>
-          <a:fillRef idx="0">
-            <a:schemeClr val="accent1"/>
-          </a:fillRef>
-          <a:effectRef idx="0">
-            <a:schemeClr val="accent1"/>
-          </a:effectRef>
-          <a:fontRef idx="minor">
-            <a:schemeClr val="tx1"/>
-          </a:fontRef>
-        </p:style>
-      </p:cxnSp>
       <p:sp>
         <p:nvSpPr>
           <p:cNvPr id="37" name="Rounded Rectangle 36"/>
@@ -5496,8 +5402,8 @@
         </p:nvCxnSpPr>
         <p:spPr>
           <a:xfrm rot="16200000" flipH="1">
-            <a:off x="5685157" y="2269646"/>
-            <a:ext cx="1140478" cy="589948"/>
+            <a:off x="5671303" y="2255792"/>
+            <a:ext cx="1168186" cy="589948"/>
           </a:xfrm>
           <a:prstGeom prst="bentConnector2">
             <a:avLst/>
@@ -5532,8 +5438,8 @@
         </p:nvCxnSpPr>
         <p:spPr>
           <a:xfrm rot="16200000" flipH="1">
-            <a:off x="5330258" y="2624545"/>
-            <a:ext cx="1847457" cy="587128"/>
+            <a:off x="5316404" y="2610691"/>
+            <a:ext cx="1875165" cy="587128"/>
           </a:xfrm>
           <a:prstGeom prst="bentConnector2">
             <a:avLst/>
@@ -5613,6 +5519,39 @@
           <a:ln w="19050">
             <a:tailEnd type="triangle"/>
           </a:ln>
+        </p:spPr>
+        <p:style>
+          <a:lnRef idx="1">
+            <a:schemeClr val="accent1"/>
+          </a:lnRef>
+          <a:fillRef idx="0">
+            <a:schemeClr val="accent1"/>
+          </a:fillRef>
+          <a:effectRef idx="0">
+            <a:schemeClr val="accent1"/>
+          </a:effectRef>
+          <a:fontRef idx="minor">
+            <a:schemeClr val="tx1"/>
+          </a:fontRef>
+        </p:style>
+      </p:cxnSp>
+      <p:cxnSp>
+        <p:nvCxnSpPr>
+          <p:cNvPr id="18" name="Straight Connector 17"/>
+          <p:cNvCxnSpPr>
+            <a:stCxn id="41" idx="3"/>
+          </p:cNvCxnSpPr>
+          <p:nvPr/>
+        </p:nvCxnSpPr>
+        <p:spPr>
+          <a:xfrm flipV="1">
+            <a:off x="552794" y="3412167"/>
+            <a:ext cx="2764134" cy="481"/>
+          </a:xfrm>
+          <a:prstGeom prst="line">
+            <a:avLst/>
+          </a:prstGeom>
+          <a:ln w="19050"/>
         </p:spPr>
         <p:style>
           <a:lnRef idx="1">
